--- a/docs/maquette.pptx
+++ b/docs/maquette.pptx
@@ -7,6 +7,8 @@
   <p:sldIdLst>
     <p:sldId id="259" r:id="rId2"/>
     <p:sldId id="260" r:id="rId3"/>
+    <p:sldId id="261" r:id="rId4"/>
+    <p:sldId id="262" r:id="rId5"/>
   </p:sldIdLst>
   <p:sldSz cx="12192000" cy="6858000"/>
   <p:notesSz cx="6858000" cy="9144000"/>
@@ -105,6 +107,11 @@
       </a:defRPr>
     </a:lvl9pPr>
   </p:defaultTextStyle>
+  <p:extLst>
+    <p:ext uri="{EFAFB233-063F-42B5-8137-9DF3F51BA10A}">
+      <p15:sldGuideLst xmlns:p15="http://schemas.microsoft.com/office/powerpoint/2012/main"/>
+    </p:ext>
+  </p:extLst>
 </p:presentation>
 </file>
 
@@ -239,7 +246,7 @@
           <a:p>
             <a:fld id="{E018A1CB-95D8-4AF6-859A-2AEBBBE8C6B4}" type="datetimeFigureOut">
               <a:rPr lang="fr-FR" smtClean="0"/>
-              <a:t>12/01/2022</a:t>
+              <a:t>17/01/2022</a:t>
             </a:fld>
             <a:endParaRPr lang="fr-FR"/>
           </a:p>
@@ -409,7 +416,7 @@
           <a:p>
             <a:fld id="{E018A1CB-95D8-4AF6-859A-2AEBBBE8C6B4}" type="datetimeFigureOut">
               <a:rPr lang="fr-FR" smtClean="0"/>
-              <a:t>12/01/2022</a:t>
+              <a:t>17/01/2022</a:t>
             </a:fld>
             <a:endParaRPr lang="fr-FR"/>
           </a:p>
@@ -589,7 +596,7 @@
           <a:p>
             <a:fld id="{E018A1CB-95D8-4AF6-859A-2AEBBBE8C6B4}" type="datetimeFigureOut">
               <a:rPr lang="fr-FR" smtClean="0"/>
-              <a:t>12/01/2022</a:t>
+              <a:t>17/01/2022</a:t>
             </a:fld>
             <a:endParaRPr lang="fr-FR"/>
           </a:p>
@@ -759,7 +766,7 @@
           <a:p>
             <a:fld id="{E018A1CB-95D8-4AF6-859A-2AEBBBE8C6B4}" type="datetimeFigureOut">
               <a:rPr lang="fr-FR" smtClean="0"/>
-              <a:t>12/01/2022</a:t>
+              <a:t>17/01/2022</a:t>
             </a:fld>
             <a:endParaRPr lang="fr-FR"/>
           </a:p>
@@ -1005,7 +1012,7 @@
           <a:p>
             <a:fld id="{E018A1CB-95D8-4AF6-859A-2AEBBBE8C6B4}" type="datetimeFigureOut">
               <a:rPr lang="fr-FR" smtClean="0"/>
-              <a:t>12/01/2022</a:t>
+              <a:t>17/01/2022</a:t>
             </a:fld>
             <a:endParaRPr lang="fr-FR"/>
           </a:p>
@@ -1237,7 +1244,7 @@
           <a:p>
             <a:fld id="{E018A1CB-95D8-4AF6-859A-2AEBBBE8C6B4}" type="datetimeFigureOut">
               <a:rPr lang="fr-FR" smtClean="0"/>
-              <a:t>12/01/2022</a:t>
+              <a:t>17/01/2022</a:t>
             </a:fld>
             <a:endParaRPr lang="fr-FR"/>
           </a:p>
@@ -1604,7 +1611,7 @@
           <a:p>
             <a:fld id="{E018A1CB-95D8-4AF6-859A-2AEBBBE8C6B4}" type="datetimeFigureOut">
               <a:rPr lang="fr-FR" smtClean="0"/>
-              <a:t>12/01/2022</a:t>
+              <a:t>17/01/2022</a:t>
             </a:fld>
             <a:endParaRPr lang="fr-FR"/>
           </a:p>
@@ -1722,7 +1729,7 @@
           <a:p>
             <a:fld id="{E018A1CB-95D8-4AF6-859A-2AEBBBE8C6B4}" type="datetimeFigureOut">
               <a:rPr lang="fr-FR" smtClean="0"/>
-              <a:t>12/01/2022</a:t>
+              <a:t>17/01/2022</a:t>
             </a:fld>
             <a:endParaRPr lang="fr-FR"/>
           </a:p>
@@ -1817,7 +1824,7 @@
           <a:p>
             <a:fld id="{E018A1CB-95D8-4AF6-859A-2AEBBBE8C6B4}" type="datetimeFigureOut">
               <a:rPr lang="fr-FR" smtClean="0"/>
-              <a:t>12/01/2022</a:t>
+              <a:t>17/01/2022</a:t>
             </a:fld>
             <a:endParaRPr lang="fr-FR"/>
           </a:p>
@@ -2094,7 +2101,7 @@
           <a:p>
             <a:fld id="{E018A1CB-95D8-4AF6-859A-2AEBBBE8C6B4}" type="datetimeFigureOut">
               <a:rPr lang="fr-FR" smtClean="0"/>
-              <a:t>12/01/2022</a:t>
+              <a:t>17/01/2022</a:t>
             </a:fld>
             <a:endParaRPr lang="fr-FR"/>
           </a:p>
@@ -2347,7 +2354,7 @@
           <a:p>
             <a:fld id="{E018A1CB-95D8-4AF6-859A-2AEBBBE8C6B4}" type="datetimeFigureOut">
               <a:rPr lang="fr-FR" smtClean="0"/>
-              <a:t>12/01/2022</a:t>
+              <a:t>17/01/2022</a:t>
             </a:fld>
             <a:endParaRPr lang="fr-FR"/>
           </a:p>
@@ -2560,7 +2567,7 @@
           <a:p>
             <a:fld id="{E018A1CB-95D8-4AF6-859A-2AEBBBE8C6B4}" type="datetimeFigureOut">
               <a:rPr lang="fr-FR" smtClean="0"/>
-              <a:t>12/01/2022</a:t>
+              <a:t>17/01/2022</a:t>
             </a:fld>
             <a:endParaRPr lang="fr-FR"/>
           </a:p>
@@ -3283,10 +3290,613 @@
           </a:prstGeom>
         </p:spPr>
       </p:pic>
+      <p:pic>
+        <p:nvPicPr>
+          <p:cNvPr id="9" name="Image 8"/>
+          <p:cNvPicPr>
+            <a:picLocks noChangeAspect="1"/>
+          </p:cNvPicPr>
+          <p:nvPr/>
+        </p:nvPicPr>
+        <p:blipFill>
+          <a:blip r:embed="rId2"/>
+          <a:stretch>
+            <a:fillRect/>
+          </a:stretch>
+        </p:blipFill>
+        <p:spPr>
+          <a:xfrm>
+            <a:off x="5557520" y="0"/>
+            <a:ext cx="4942114" cy="6858000"/>
+          </a:xfrm>
+          <a:prstGeom prst="rect">
+            <a:avLst/>
+          </a:prstGeom>
+        </p:spPr>
+      </p:pic>
+      <p:pic>
+        <p:nvPicPr>
+          <p:cNvPr id="10" name="Image 9"/>
+          <p:cNvPicPr>
+            <a:picLocks noChangeAspect="1"/>
+          </p:cNvPicPr>
+          <p:nvPr/>
+        </p:nvPicPr>
+        <p:blipFill>
+          <a:blip r:embed="rId3"/>
+          <a:stretch>
+            <a:fillRect/>
+          </a:stretch>
+        </p:blipFill>
+        <p:spPr>
+          <a:xfrm>
+            <a:off x="5557520" y="-10504"/>
+            <a:ext cx="4942114" cy="1605863"/>
+          </a:xfrm>
+          <a:prstGeom prst="rect">
+            <a:avLst/>
+          </a:prstGeom>
+        </p:spPr>
+      </p:pic>
+      <p:pic>
+        <p:nvPicPr>
+          <p:cNvPr id="11" name="Image 10"/>
+          <p:cNvPicPr>
+            <a:picLocks noChangeAspect="1"/>
+          </p:cNvPicPr>
+          <p:nvPr/>
+        </p:nvPicPr>
+        <p:blipFill>
+          <a:blip r:embed="rId7"/>
+          <a:stretch>
+            <a:fillRect/>
+          </a:stretch>
+        </p:blipFill>
+        <p:spPr>
+          <a:xfrm>
+            <a:off x="6961777" y="126656"/>
+            <a:ext cx="2133600" cy="1352550"/>
+          </a:xfrm>
+          <a:prstGeom prst="rect">
+            <a:avLst/>
+          </a:prstGeom>
+        </p:spPr>
+      </p:pic>
+      <p:pic>
+        <p:nvPicPr>
+          <p:cNvPr id="12" name="Image 11"/>
+          <p:cNvPicPr>
+            <a:picLocks noChangeAspect="1"/>
+          </p:cNvPicPr>
+          <p:nvPr/>
+        </p:nvPicPr>
+        <p:blipFill>
+          <a:blip r:embed="rId5"/>
+          <a:stretch>
+            <a:fillRect/>
+          </a:stretch>
+        </p:blipFill>
+        <p:spPr>
+          <a:xfrm>
+            <a:off x="5995749" y="2815214"/>
+            <a:ext cx="4114434" cy="3778560"/>
+          </a:xfrm>
+          <a:prstGeom prst="rect">
+            <a:avLst/>
+          </a:prstGeom>
+        </p:spPr>
+      </p:pic>
+      <p:pic>
+        <p:nvPicPr>
+          <p:cNvPr id="13" name="Image 12"/>
+          <p:cNvPicPr>
+            <a:picLocks noChangeAspect="1"/>
+          </p:cNvPicPr>
+          <p:nvPr/>
+        </p:nvPicPr>
+        <p:blipFill rotWithShape="1">
+          <a:blip r:embed="rId6"/>
+          <a:srcRect t="6894" b="71879"/>
+          <a:stretch/>
+        </p:blipFill>
+        <p:spPr>
+          <a:xfrm>
+            <a:off x="6304552" y="1605280"/>
+            <a:ext cx="1314450" cy="483221"/>
+          </a:xfrm>
+          <a:prstGeom prst="rect">
+            <a:avLst/>
+          </a:prstGeom>
+        </p:spPr>
+      </p:pic>
+      <p:pic>
+        <p:nvPicPr>
+          <p:cNvPr id="14" name="Image 13"/>
+          <p:cNvPicPr>
+            <a:picLocks noChangeAspect="1"/>
+          </p:cNvPicPr>
+          <p:nvPr/>
+        </p:nvPicPr>
+        <p:blipFill rotWithShape="1">
+          <a:blip r:embed="rId6"/>
+          <a:srcRect t="29880" b="39772"/>
+          <a:stretch/>
+        </p:blipFill>
+        <p:spPr>
+          <a:xfrm>
+            <a:off x="6304552" y="2118465"/>
+            <a:ext cx="1314450" cy="690880"/>
+          </a:xfrm>
+          <a:prstGeom prst="rect">
+            <a:avLst/>
+          </a:prstGeom>
+        </p:spPr>
+      </p:pic>
+      <p:pic>
+        <p:nvPicPr>
+          <p:cNvPr id="15" name="Image 14"/>
+          <p:cNvPicPr>
+            <a:picLocks noChangeAspect="1"/>
+          </p:cNvPicPr>
+          <p:nvPr/>
+        </p:nvPicPr>
+        <p:blipFill rotWithShape="1">
+          <a:blip r:embed="rId6"/>
+          <a:srcRect t="59899" b="7075"/>
+          <a:stretch/>
+        </p:blipFill>
+        <p:spPr>
+          <a:xfrm>
+            <a:off x="8548914" y="2057505"/>
+            <a:ext cx="1314450" cy="751840"/>
+          </a:xfrm>
+          <a:prstGeom prst="rect">
+            <a:avLst/>
+          </a:prstGeom>
+        </p:spPr>
+      </p:pic>
     </p:spTree>
     <p:extLst>
       <p:ext uri="{BB962C8B-B14F-4D97-AF65-F5344CB8AC3E}">
         <p14:creationId xmlns:p14="http://schemas.microsoft.com/office/powerpoint/2010/main" val="726709565"/>
+      </p:ext>
+    </p:extLst>
+  </p:cSld>
+  <p:clrMapOvr>
+    <a:masterClrMapping/>
+  </p:clrMapOvr>
+</p:sld>
+</file>
+
+<file path=ppt/slides/slide3.xml><?xml version="1.0" encoding="utf-8"?>
+<p:sld xmlns:a="http://schemas.openxmlformats.org/drawingml/2006/main" xmlns:r="http://schemas.openxmlformats.org/officeDocument/2006/relationships" xmlns:p="http://schemas.openxmlformats.org/presentationml/2006/main">
+  <p:cSld>
+    <p:spTree>
+      <p:nvGrpSpPr>
+        <p:cNvPr id="1" name=""/>
+        <p:cNvGrpSpPr/>
+        <p:nvPr/>
+      </p:nvGrpSpPr>
+      <p:grpSpPr>
+        <a:xfrm>
+          <a:off x="0" y="0"/>
+          <a:ext cx="0" cy="0"/>
+          <a:chOff x="0" y="0"/>
+          <a:chExt cx="0" cy="0"/>
+        </a:xfrm>
+      </p:grpSpPr>
+      <p:pic>
+        <p:nvPicPr>
+          <p:cNvPr id="16" name="Image 15"/>
+          <p:cNvPicPr>
+            <a:picLocks/>
+          </p:cNvPicPr>
+          <p:nvPr/>
+        </p:nvPicPr>
+        <p:blipFill>
+          <a:blip r:embed="rId2"/>
+          <a:stretch>
+            <a:fillRect/>
+          </a:stretch>
+        </p:blipFill>
+        <p:spPr>
+          <a:xfrm>
+            <a:off x="0" y="10504"/>
+            <a:ext cx="8449056" cy="4995595"/>
+          </a:xfrm>
+          <a:prstGeom prst="rect">
+            <a:avLst/>
+          </a:prstGeom>
+        </p:spPr>
+      </p:pic>
+      <p:pic>
+        <p:nvPicPr>
+          <p:cNvPr id="2" name="Image 1"/>
+          <p:cNvPicPr>
+            <a:picLocks noChangeAspect="1"/>
+          </p:cNvPicPr>
+          <p:nvPr/>
+        </p:nvPicPr>
+        <p:blipFill>
+          <a:blip r:embed="rId3"/>
+          <a:stretch>
+            <a:fillRect/>
+          </a:stretch>
+        </p:blipFill>
+        <p:spPr>
+          <a:xfrm>
+            <a:off x="0" y="0"/>
+            <a:ext cx="8449056" cy="1291699"/>
+          </a:xfrm>
+          <a:prstGeom prst="rect">
+            <a:avLst/>
+          </a:prstGeom>
+        </p:spPr>
+      </p:pic>
+      <p:pic>
+        <p:nvPicPr>
+          <p:cNvPr id="17" name="Image 16"/>
+          <p:cNvPicPr>
+            <a:picLocks noChangeAspect="1"/>
+          </p:cNvPicPr>
+          <p:nvPr/>
+        </p:nvPicPr>
+        <p:blipFill rotWithShape="1">
+          <a:blip r:embed="rId4"/>
+          <a:srcRect b="35505"/>
+          <a:stretch/>
+        </p:blipFill>
+        <p:spPr>
+          <a:xfrm>
+            <a:off x="159452" y="156366"/>
+            <a:ext cx="2133600" cy="872334"/>
+          </a:xfrm>
+          <a:prstGeom prst="rect">
+            <a:avLst/>
+          </a:prstGeom>
+        </p:spPr>
+      </p:pic>
+      <p:pic>
+        <p:nvPicPr>
+          <p:cNvPr id="5" name="Image 4"/>
+          <p:cNvPicPr>
+            <a:picLocks noChangeAspect="1"/>
+          </p:cNvPicPr>
+          <p:nvPr/>
+        </p:nvPicPr>
+        <p:blipFill>
+          <a:blip r:embed="rId5"/>
+          <a:stretch>
+            <a:fillRect/>
+          </a:stretch>
+        </p:blipFill>
+        <p:spPr>
+          <a:xfrm>
+            <a:off x="6006753" y="1453931"/>
+            <a:ext cx="2133600" cy="1966462"/>
+          </a:xfrm>
+          <a:prstGeom prst="rect">
+            <a:avLst/>
+          </a:prstGeom>
+        </p:spPr>
+      </p:pic>
+      <p:pic>
+        <p:nvPicPr>
+          <p:cNvPr id="6" name="Image 5"/>
+          <p:cNvPicPr>
+            <a:picLocks noChangeAspect="1"/>
+          </p:cNvPicPr>
+          <p:nvPr/>
+        </p:nvPicPr>
+        <p:blipFill>
+          <a:blip r:embed="rId6"/>
+          <a:stretch>
+            <a:fillRect/>
+          </a:stretch>
+        </p:blipFill>
+        <p:spPr>
+          <a:xfrm>
+            <a:off x="1884026" y="1397561"/>
+            <a:ext cx="3814024" cy="3502676"/>
+          </a:xfrm>
+          <a:prstGeom prst="rect">
+            <a:avLst/>
+          </a:prstGeom>
+        </p:spPr>
+      </p:pic>
+      <p:pic>
+        <p:nvPicPr>
+          <p:cNvPr id="7" name="Image 6"/>
+          <p:cNvPicPr>
+            <a:picLocks noChangeAspect="1"/>
+          </p:cNvPicPr>
+          <p:nvPr/>
+        </p:nvPicPr>
+        <p:blipFill>
+          <a:blip r:embed="rId7"/>
+          <a:stretch>
+            <a:fillRect/>
+          </a:stretch>
+        </p:blipFill>
+        <p:spPr>
+          <a:xfrm>
+            <a:off x="159452" y="1725778"/>
+            <a:ext cx="1314450" cy="2276475"/>
+          </a:xfrm>
+          <a:prstGeom prst="rect">
+            <a:avLst/>
+          </a:prstGeom>
+        </p:spPr>
+      </p:pic>
+      <p:pic>
+        <p:nvPicPr>
+          <p:cNvPr id="18" name="Image 17"/>
+          <p:cNvPicPr>
+            <a:picLocks noChangeAspect="1"/>
+          </p:cNvPicPr>
+          <p:nvPr/>
+        </p:nvPicPr>
+        <p:blipFill rotWithShape="1">
+          <a:blip r:embed="rId4"/>
+          <a:srcRect t="75559"/>
+          <a:stretch/>
+        </p:blipFill>
+        <p:spPr>
+          <a:xfrm>
+            <a:off x="2607378" y="755731"/>
+            <a:ext cx="2133600" cy="330577"/>
+          </a:xfrm>
+          <a:prstGeom prst="rect">
+            <a:avLst/>
+          </a:prstGeom>
+        </p:spPr>
+      </p:pic>
+      <p:pic>
+        <p:nvPicPr>
+          <p:cNvPr id="19" name="Image 18"/>
+          <p:cNvPicPr>
+            <a:picLocks noChangeAspect="1"/>
+          </p:cNvPicPr>
+          <p:nvPr/>
+        </p:nvPicPr>
+        <p:blipFill rotWithShape="1">
+          <a:blip r:embed="rId4"/>
+          <a:srcRect t="75559"/>
+          <a:stretch/>
+        </p:blipFill>
+        <p:spPr>
+          <a:xfrm>
+            <a:off x="4631250" y="755731"/>
+            <a:ext cx="2133600" cy="330577"/>
+          </a:xfrm>
+          <a:prstGeom prst="rect">
+            <a:avLst/>
+          </a:prstGeom>
+        </p:spPr>
+      </p:pic>
+    </p:spTree>
+    <p:extLst>
+      <p:ext uri="{BB962C8B-B14F-4D97-AF65-F5344CB8AC3E}">
+        <p14:creationId xmlns:p14="http://schemas.microsoft.com/office/powerpoint/2010/main" val="2017956996"/>
+      </p:ext>
+    </p:extLst>
+  </p:cSld>
+  <p:clrMapOvr>
+    <a:masterClrMapping/>
+  </p:clrMapOvr>
+</p:sld>
+</file>
+
+<file path=ppt/slides/slide4.xml><?xml version="1.0" encoding="utf-8"?>
+<p:sld xmlns:a="http://schemas.openxmlformats.org/drawingml/2006/main" xmlns:r="http://schemas.openxmlformats.org/officeDocument/2006/relationships" xmlns:p="http://schemas.openxmlformats.org/presentationml/2006/main">
+  <p:cSld>
+    <p:spTree>
+      <p:nvGrpSpPr>
+        <p:cNvPr id="1" name=""/>
+        <p:cNvGrpSpPr/>
+        <p:nvPr/>
+      </p:nvGrpSpPr>
+      <p:grpSpPr>
+        <a:xfrm>
+          <a:off x="0" y="0"/>
+          <a:ext cx="0" cy="0"/>
+          <a:chOff x="0" y="0"/>
+          <a:chExt cx="0" cy="0"/>
+        </a:xfrm>
+      </p:grpSpPr>
+      <p:pic>
+        <p:nvPicPr>
+          <p:cNvPr id="16" name="Image 15"/>
+          <p:cNvPicPr>
+            <a:picLocks/>
+          </p:cNvPicPr>
+          <p:nvPr/>
+        </p:nvPicPr>
+        <p:blipFill>
+          <a:blip r:embed="rId2"/>
+          <a:stretch>
+            <a:fillRect/>
+          </a:stretch>
+        </p:blipFill>
+        <p:spPr>
+          <a:xfrm>
+            <a:off x="0" y="10504"/>
+            <a:ext cx="12192000" cy="6847496"/>
+          </a:xfrm>
+          <a:prstGeom prst="rect">
+            <a:avLst/>
+          </a:prstGeom>
+        </p:spPr>
+      </p:pic>
+      <p:pic>
+        <p:nvPicPr>
+          <p:cNvPr id="2" name="Image 1"/>
+          <p:cNvPicPr>
+            <a:picLocks noChangeAspect="1"/>
+          </p:cNvPicPr>
+          <p:nvPr/>
+        </p:nvPicPr>
+        <p:blipFill>
+          <a:blip r:embed="rId3"/>
+          <a:stretch>
+            <a:fillRect/>
+          </a:stretch>
+        </p:blipFill>
+        <p:spPr>
+          <a:xfrm>
+            <a:off x="0" y="0"/>
+            <a:ext cx="12192000" cy="1725778"/>
+          </a:xfrm>
+          <a:prstGeom prst="rect">
+            <a:avLst/>
+          </a:prstGeom>
+        </p:spPr>
+      </p:pic>
+      <p:pic>
+        <p:nvPicPr>
+          <p:cNvPr id="17" name="Image 16"/>
+          <p:cNvPicPr>
+            <a:picLocks noChangeAspect="1"/>
+          </p:cNvPicPr>
+          <p:nvPr/>
+        </p:nvPicPr>
+        <p:blipFill rotWithShape="1">
+          <a:blip r:embed="rId4"/>
+          <a:srcRect b="35505"/>
+          <a:stretch/>
+        </p:blipFill>
+        <p:spPr>
+          <a:xfrm>
+            <a:off x="445349" y="120901"/>
+            <a:ext cx="3078788" cy="1258779"/>
+          </a:xfrm>
+          <a:prstGeom prst="rect">
+            <a:avLst/>
+          </a:prstGeom>
+        </p:spPr>
+      </p:pic>
+      <p:pic>
+        <p:nvPicPr>
+          <p:cNvPr id="5" name="Image 4"/>
+          <p:cNvPicPr>
+            <a:picLocks noChangeAspect="1"/>
+          </p:cNvPicPr>
+          <p:nvPr/>
+        </p:nvPicPr>
+        <p:blipFill>
+          <a:blip r:embed="rId5"/>
+          <a:stretch>
+            <a:fillRect/>
+          </a:stretch>
+        </p:blipFill>
+        <p:spPr>
+          <a:xfrm>
+            <a:off x="8385332" y="2097262"/>
+            <a:ext cx="3078788" cy="2837608"/>
+          </a:xfrm>
+          <a:prstGeom prst="rect">
+            <a:avLst/>
+          </a:prstGeom>
+        </p:spPr>
+      </p:pic>
+      <p:pic>
+        <p:nvPicPr>
+          <p:cNvPr id="6" name="Image 5"/>
+          <p:cNvPicPr>
+            <a:picLocks noChangeAspect="1"/>
+          </p:cNvPicPr>
+          <p:nvPr/>
+        </p:nvPicPr>
+        <p:blipFill>
+          <a:blip r:embed="rId6"/>
+          <a:stretch>
+            <a:fillRect/>
+          </a:stretch>
+        </p:blipFill>
+        <p:spPr>
+          <a:xfrm>
+            <a:off x="2652709" y="1838475"/>
+            <a:ext cx="5004744" cy="4596194"/>
+          </a:xfrm>
+          <a:prstGeom prst="rect">
+            <a:avLst/>
+          </a:prstGeom>
+        </p:spPr>
+      </p:pic>
+      <p:pic>
+        <p:nvPicPr>
+          <p:cNvPr id="7" name="Image 6"/>
+          <p:cNvPicPr>
+            <a:picLocks noChangeAspect="1"/>
+          </p:cNvPicPr>
+          <p:nvPr/>
+        </p:nvPicPr>
+        <p:blipFill>
+          <a:blip r:embed="rId7"/>
+          <a:stretch>
+            <a:fillRect/>
+          </a:stretch>
+        </p:blipFill>
+        <p:spPr>
+          <a:xfrm>
+            <a:off x="159451" y="1725778"/>
+            <a:ext cx="1896753" cy="3284956"/>
+          </a:xfrm>
+          <a:prstGeom prst="rect">
+            <a:avLst/>
+          </a:prstGeom>
+        </p:spPr>
+      </p:pic>
+      <p:pic>
+        <p:nvPicPr>
+          <p:cNvPr id="18" name="Image 17"/>
+          <p:cNvPicPr>
+            <a:picLocks noChangeAspect="1"/>
+          </p:cNvPicPr>
+          <p:nvPr/>
+        </p:nvPicPr>
+        <p:blipFill rotWithShape="1">
+          <a:blip r:embed="rId4"/>
+          <a:srcRect t="75559"/>
+          <a:stretch/>
+        </p:blipFill>
+        <p:spPr>
+          <a:xfrm>
+            <a:off x="3969486" y="1000618"/>
+            <a:ext cx="3078788" cy="477023"/>
+          </a:xfrm>
+          <a:prstGeom prst="rect">
+            <a:avLst/>
+          </a:prstGeom>
+        </p:spPr>
+      </p:pic>
+      <p:pic>
+        <p:nvPicPr>
+          <p:cNvPr id="19" name="Image 18"/>
+          <p:cNvPicPr>
+            <a:picLocks noChangeAspect="1"/>
+          </p:cNvPicPr>
+          <p:nvPr/>
+        </p:nvPicPr>
+        <p:blipFill rotWithShape="1">
+          <a:blip r:embed="rId4"/>
+          <a:srcRect t="75559"/>
+          <a:stretch/>
+        </p:blipFill>
+        <p:spPr>
+          <a:xfrm>
+            <a:off x="7048274" y="1011122"/>
+            <a:ext cx="3078788" cy="477023"/>
+          </a:xfrm>
+          <a:prstGeom prst="rect">
+            <a:avLst/>
+          </a:prstGeom>
+        </p:spPr>
+      </p:pic>
+    </p:spTree>
+    <p:extLst>
+      <p:ext uri="{BB962C8B-B14F-4D97-AF65-F5344CB8AC3E}">
+        <p14:creationId xmlns:p14="http://schemas.microsoft.com/office/powerpoint/2010/main" val="2543393488"/>
       </p:ext>
     </p:extLst>
   </p:cSld>
